--- a/doc/video-04-randomized-trials.pptx
+++ b/doc/video-04-randomized-trials.pptx
@@ -58452,7 +58452,7 @@
       </p:sp>
       <p:pic>
         <p:nvPicPr>
-          <p:cNvPr descr="../images/fishy02.png" id="0" name="Picture 1"/>
+          <p:cNvPr descr="../images/04/fishy02.png" id="0" name="Picture 1"/>
           <p:cNvPicPr>
             <a:picLocks noGrp="1" noChangeAspect="1"/>
           </p:cNvPicPr>
@@ -58687,7 +58687,7 @@
       </p:sp>
       <p:pic>
         <p:nvPicPr>
-          <p:cNvPr descr="../images/fishy03.png" id="0" name="Picture 1"/>
+          <p:cNvPr descr="../images/04/fishy03.png" id="0" name="Picture 1"/>
           <p:cNvPicPr>
             <a:picLocks noGrp="1" noChangeAspect="1"/>
           </p:cNvPicPr>
@@ -58922,7 +58922,7 @@
       </p:sp>
       <p:pic>
         <p:nvPicPr>
-          <p:cNvPr descr="../images/fishy04.png" id="0" name="Picture 1"/>
+          <p:cNvPr descr="../images/04/fishy04.png" id="0" name="Picture 1"/>
           <p:cNvPicPr>
             <a:picLocks noGrp="1" noChangeAspect="1"/>
           </p:cNvPicPr>
@@ -59157,7 +59157,7 @@
       </p:sp>
       <p:pic>
         <p:nvPicPr>
-          <p:cNvPr descr="../images/fishy02.png" id="0" name="Picture 1"/>
+          <p:cNvPr descr="../images/04/fishy05.png" id="0" name="Picture 1"/>
           <p:cNvPicPr>
             <a:picLocks noGrp="1" noChangeAspect="1"/>
           </p:cNvPicPr>
@@ -59392,7 +59392,7 @@
       </p:sp>
       <p:pic>
         <p:nvPicPr>
-          <p:cNvPr descr="../images/fishy06.png" id="0" name="Picture 1"/>
+          <p:cNvPr descr="../images/04/fishy06.png" id="0" name="Picture 1"/>
           <p:cNvPicPr>
             <a:picLocks noGrp="1" noChangeAspect="1"/>
           </p:cNvPicPr>
@@ -59627,7 +59627,7 @@
       </p:sp>
       <p:pic>
         <p:nvPicPr>
-          <p:cNvPr descr="../images/fishy07.png" id="0" name="Picture 1"/>
+          <p:cNvPr descr="../images/04/fishy07.png" id="0" name="Picture 1"/>
           <p:cNvPicPr>
             <a:picLocks noGrp="1" noChangeAspect="1"/>
           </p:cNvPicPr>
@@ -62501,7 +62501,7 @@
       </p:sp>
       <p:pic>
         <p:nvPicPr>
-          <p:cNvPr descr="../images/fishy01.png" id="0" name="Picture 1"/>
+          <p:cNvPr descr="../images/04/fishy01.png" id="0" name="Picture 1"/>
           <p:cNvPicPr>
             <a:picLocks noGrp="1" noChangeAspect="1"/>
           </p:cNvPicPr>
